--- a/Figures/VectorDescriptionImproved.pptx
+++ b/Figures/VectorDescriptionImproved.pptx
@@ -288,7 +288,7 @@
           <a:p>
             <a:fld id="{4A558CC7-AE26-7E43-876B-01B3BA766050}" type="datetimeFigureOut">
               <a:rPr lang="da-DK" smtClean="0"/>
-              <a:t>01/06/14</a:t>
+              <a:t>08/07/14</a:t>
             </a:fld>
             <a:endParaRPr lang="en-GB"/>
           </a:p>
@@ -458,7 +458,7 @@
           <a:p>
             <a:fld id="{4A558CC7-AE26-7E43-876B-01B3BA766050}" type="datetimeFigureOut">
               <a:rPr lang="da-DK" smtClean="0"/>
-              <a:t>01/06/14</a:t>
+              <a:t>08/07/14</a:t>
             </a:fld>
             <a:endParaRPr lang="en-GB"/>
           </a:p>
@@ -638,7 +638,7 @@
           <a:p>
             <a:fld id="{4A558CC7-AE26-7E43-876B-01B3BA766050}" type="datetimeFigureOut">
               <a:rPr lang="da-DK" smtClean="0"/>
-              <a:t>01/06/14</a:t>
+              <a:t>08/07/14</a:t>
             </a:fld>
             <a:endParaRPr lang="en-GB"/>
           </a:p>
@@ -808,7 +808,7 @@
           <a:p>
             <a:fld id="{4A558CC7-AE26-7E43-876B-01B3BA766050}" type="datetimeFigureOut">
               <a:rPr lang="da-DK" smtClean="0"/>
-              <a:t>01/06/14</a:t>
+              <a:t>08/07/14</a:t>
             </a:fld>
             <a:endParaRPr lang="en-GB"/>
           </a:p>
@@ -1054,7 +1054,7 @@
           <a:p>
             <a:fld id="{4A558CC7-AE26-7E43-876B-01B3BA766050}" type="datetimeFigureOut">
               <a:rPr lang="da-DK" smtClean="0"/>
-              <a:t>01/06/14</a:t>
+              <a:t>08/07/14</a:t>
             </a:fld>
             <a:endParaRPr lang="en-GB"/>
           </a:p>
@@ -1342,7 +1342,7 @@
           <a:p>
             <a:fld id="{4A558CC7-AE26-7E43-876B-01B3BA766050}" type="datetimeFigureOut">
               <a:rPr lang="da-DK" smtClean="0"/>
-              <a:t>01/06/14</a:t>
+              <a:t>08/07/14</a:t>
             </a:fld>
             <a:endParaRPr lang="en-GB"/>
           </a:p>
@@ -1764,7 +1764,7 @@
           <a:p>
             <a:fld id="{4A558CC7-AE26-7E43-876B-01B3BA766050}" type="datetimeFigureOut">
               <a:rPr lang="da-DK" smtClean="0"/>
-              <a:t>01/06/14</a:t>
+              <a:t>08/07/14</a:t>
             </a:fld>
             <a:endParaRPr lang="en-GB"/>
           </a:p>
@@ -1882,7 +1882,7 @@
           <a:p>
             <a:fld id="{4A558CC7-AE26-7E43-876B-01B3BA766050}" type="datetimeFigureOut">
               <a:rPr lang="da-DK" smtClean="0"/>
-              <a:t>01/06/14</a:t>
+              <a:t>08/07/14</a:t>
             </a:fld>
             <a:endParaRPr lang="en-GB"/>
           </a:p>
@@ -1977,7 +1977,7 @@
           <a:p>
             <a:fld id="{4A558CC7-AE26-7E43-876B-01B3BA766050}" type="datetimeFigureOut">
               <a:rPr lang="da-DK" smtClean="0"/>
-              <a:t>01/06/14</a:t>
+              <a:t>08/07/14</a:t>
             </a:fld>
             <a:endParaRPr lang="en-GB"/>
           </a:p>
@@ -2254,7 +2254,7 @@
           <a:p>
             <a:fld id="{4A558CC7-AE26-7E43-876B-01B3BA766050}" type="datetimeFigureOut">
               <a:rPr lang="da-DK" smtClean="0"/>
-              <a:t>01/06/14</a:t>
+              <a:t>08/07/14</a:t>
             </a:fld>
             <a:endParaRPr lang="en-GB"/>
           </a:p>
@@ -2507,7 +2507,7 @@
           <a:p>
             <a:fld id="{4A558CC7-AE26-7E43-876B-01B3BA766050}" type="datetimeFigureOut">
               <a:rPr lang="da-DK" smtClean="0"/>
-              <a:t>01/06/14</a:t>
+              <a:t>08/07/14</a:t>
             </a:fld>
             <a:endParaRPr lang="en-GB"/>
           </a:p>
@@ -2720,7 +2720,7 @@
           <a:p>
             <a:fld id="{4A558CC7-AE26-7E43-876B-01B3BA766050}" type="datetimeFigureOut">
               <a:rPr lang="da-DK" smtClean="0"/>
-              <a:t>01/06/14</a:t>
+              <a:t>08/07/14</a:t>
             </a:fld>
             <a:endParaRPr lang="en-GB"/>
           </a:p>
@@ -3414,7 +3414,14 @@
                 <a:latin typeface="Lucida Console"/>
                 <a:cs typeface="Lucida Console"/>
               </a:rPr>
-              <a:t>=&gt;</a:t>
+              <a:t>=</a:t>
+            </a:r>
+            <a:r>
+              <a:rPr lang="en-GB" dirty="0" smtClean="0">
+                <a:latin typeface="Lucida Console"/>
+                <a:cs typeface="Lucida Console"/>
+              </a:rPr>
+              <a:t>&gt;</a:t>
             </a:r>
           </a:p>
           <a:p>
@@ -3547,11 +3554,79 @@
               <a:t> </a:t>
             </a:r>
             <a:r>
-              <a:rPr lang="en-GB" dirty="0" smtClean="0">
-                <a:latin typeface="Lucida Console"/>
-                <a:cs typeface="Lucida Console"/>
-              </a:rPr>
-              <a:t>(\_,_=&gt; </a:t>
+              <a:rPr lang="en-GB" dirty="0" err="1">
+                <a:solidFill>
+                  <a:schemeClr val="accent2"/>
+                </a:solidFill>
+                <a:latin typeface="Lucida Console"/>
+                <a:cs typeface="Lucida Console"/>
+              </a:rPr>
+              <a:t>VecCtors</a:t>
+            </a:r>
+            <a:r>
+              <a:rPr lang="en-GB" dirty="0">
+                <a:solidFill>
+                  <a:schemeClr val="accent2"/>
+                </a:solidFill>
+                <a:latin typeface="Lucida Console"/>
+                <a:cs typeface="Lucida Console"/>
+              </a:rPr>
+              <a:t> </a:t>
+            </a:r>
+            <a:r>
+              <a:rPr lang="en-GB" dirty="0" smtClean="0">
+                <a:latin typeface="Lucida Console"/>
+                <a:cs typeface="Lucida Console"/>
+              </a:rPr>
+              <a:t>(\</a:t>
+            </a:r>
+            <a:r>
+              <a:rPr lang="en-GB" dirty="0" smtClean="0">
+                <a:solidFill>
+                  <a:srgbClr val="D99694"/>
+                </a:solidFill>
+                <a:latin typeface="Lucida Console"/>
+                <a:cs typeface="Lucida Console"/>
+              </a:rPr>
+              <a:t>l’</a:t>
+            </a:r>
+            <a:r>
+              <a:rPr lang="en-GB" dirty="0" smtClean="0">
+                <a:latin typeface="Lucida Console"/>
+                <a:cs typeface="Lucida Console"/>
+              </a:rPr>
+              <a:t>=</a:t>
+            </a:r>
+            <a:r>
+              <a:rPr lang="en-GB" dirty="0" smtClean="0">
+                <a:latin typeface="Lucida Console"/>
+                <a:cs typeface="Lucida Console"/>
+              </a:rPr>
+              <a:t>&gt; \</a:t>
+            </a:r>
+            <a:r>
+              <a:rPr lang="en-GB" dirty="0" smtClean="0">
+                <a:solidFill>
+                  <a:srgbClr val="D99694"/>
+                </a:solidFill>
+                <a:latin typeface="Lucida Console"/>
+                <a:cs typeface="Lucida Console"/>
+              </a:rPr>
+              <a:t>t’</a:t>
+            </a:r>
+            <a:r>
+              <a:rPr lang="en-GB" dirty="0" smtClean="0">
+                <a:latin typeface="Lucida Console"/>
+                <a:cs typeface="Lucida Console"/>
+              </a:rPr>
+              <a:t>=</a:t>
+            </a:r>
+            <a:r>
+              <a:rPr lang="en-GB" dirty="0" smtClean="0">
+                <a:latin typeface="Lucida Console"/>
+                <a:cs typeface="Lucida Console"/>
+              </a:rPr>
+              <a:t>&gt; </a:t>
             </a:r>
             <a:r>
               <a:rPr lang="en-GB" dirty="0" err="1" smtClean="0">
@@ -3735,7 +3810,24 @@
                 <a:latin typeface="Lucida Console"/>
                 <a:cs typeface="Lucida Console"/>
               </a:rPr>
-              <a:t> (\_=&gt; </a:t>
+              <a:t> (\</a:t>
+            </a:r>
+            <a:r>
+              <a:rPr lang="en-GB" dirty="0" smtClean="0">
+                <a:solidFill>
+                  <a:srgbClr val="D99694"/>
+                </a:solidFill>
+                <a:latin typeface="Lucida Console"/>
+                <a:cs typeface="Lucida Console"/>
+              </a:rPr>
+              <a:t>x</a:t>
+            </a:r>
+            <a:r>
+              <a:rPr lang="en-GB" dirty="0" smtClean="0">
+                <a:latin typeface="Lucida Console"/>
+                <a:cs typeface="Lucida Console"/>
+              </a:rPr>
+              <a:t>=&gt; </a:t>
             </a:r>
             <a:r>
               <a:rPr lang="en-GB" dirty="0" smtClean="0">
